--- a/NumEco2019/1a_intro/introduction.pptx
+++ b/NumEco2019/1a_intro/introduction.pptx
@@ -6484,7 +6484,7 @@
           </a:p>
           <a:p>
             <a:r>
-              <a:rPr lang="en-US" dirty="0"/>
+              <a:rPr lang="en-US" b="1" dirty="0"/>
               <a:t>Data frames</a:t>
             </a:r>
           </a:p>
@@ -6565,7 +6565,7 @@
           </a:p>
           <a:p>
             <a:r>
-              <a:rPr lang="en-US" dirty="0"/>
+              <a:rPr lang="en-US" b="1" dirty="0"/>
               <a:t>Matrices</a:t>
             </a:r>
           </a:p>
